--- a/Lectures/Class3_GraphicalExcellence.pptx
+++ b/Lectures/Class3_GraphicalExcellence.pptx
@@ -298,7 +298,7 @@
           <a:p>
             <a:fld id="{EE546B1A-B484-2943-8A2B-467DA3E6AA0E}" type="datetimeFigureOut">
               <a:rPr lang="en-US" smtClean="0"/>
-              <a:t>9/3/13</a:t>
+              <a:t>8/30/16</a:t>
             </a:fld>
             <a:endParaRPr lang="en-US"/>
           </a:p>
@@ -468,7 +468,7 @@
           <a:p>
             <a:fld id="{EE546B1A-B484-2943-8A2B-467DA3E6AA0E}" type="datetimeFigureOut">
               <a:rPr lang="en-US" smtClean="0"/>
-              <a:t>9/3/13</a:t>
+              <a:t>8/30/16</a:t>
             </a:fld>
             <a:endParaRPr lang="en-US"/>
           </a:p>
@@ -648,7 +648,7 @@
           <a:p>
             <a:fld id="{EE546B1A-B484-2943-8A2B-467DA3E6AA0E}" type="datetimeFigureOut">
               <a:rPr lang="en-US" smtClean="0"/>
-              <a:t>9/3/13</a:t>
+              <a:t>8/30/16</a:t>
             </a:fld>
             <a:endParaRPr lang="en-US"/>
           </a:p>
@@ -818,7 +818,7 @@
           <a:p>
             <a:fld id="{EE546B1A-B484-2943-8A2B-467DA3E6AA0E}" type="datetimeFigureOut">
               <a:rPr lang="en-US" smtClean="0"/>
-              <a:t>9/3/13</a:t>
+              <a:t>8/30/16</a:t>
             </a:fld>
             <a:endParaRPr lang="en-US"/>
           </a:p>
@@ -1064,7 +1064,7 @@
           <a:p>
             <a:fld id="{EE546B1A-B484-2943-8A2B-467DA3E6AA0E}" type="datetimeFigureOut">
               <a:rPr lang="en-US" smtClean="0"/>
-              <a:t>9/3/13</a:t>
+              <a:t>8/30/16</a:t>
             </a:fld>
             <a:endParaRPr lang="en-US"/>
           </a:p>
@@ -1352,7 +1352,7 @@
           <a:p>
             <a:fld id="{EE546B1A-B484-2943-8A2B-467DA3E6AA0E}" type="datetimeFigureOut">
               <a:rPr lang="en-US" smtClean="0"/>
-              <a:t>9/3/13</a:t>
+              <a:t>8/30/16</a:t>
             </a:fld>
             <a:endParaRPr lang="en-US"/>
           </a:p>
@@ -1774,7 +1774,7 @@
           <a:p>
             <a:fld id="{EE546B1A-B484-2943-8A2B-467DA3E6AA0E}" type="datetimeFigureOut">
               <a:rPr lang="en-US" smtClean="0"/>
-              <a:t>9/3/13</a:t>
+              <a:t>8/30/16</a:t>
             </a:fld>
             <a:endParaRPr lang="en-US"/>
           </a:p>
@@ -1892,7 +1892,7 @@
           <a:p>
             <a:fld id="{EE546B1A-B484-2943-8A2B-467DA3E6AA0E}" type="datetimeFigureOut">
               <a:rPr lang="en-US" smtClean="0"/>
-              <a:t>9/3/13</a:t>
+              <a:t>8/30/16</a:t>
             </a:fld>
             <a:endParaRPr lang="en-US"/>
           </a:p>
@@ -1987,7 +1987,7 @@
           <a:p>
             <a:fld id="{EE546B1A-B484-2943-8A2B-467DA3E6AA0E}" type="datetimeFigureOut">
               <a:rPr lang="en-US" smtClean="0"/>
-              <a:t>9/3/13</a:t>
+              <a:t>8/30/16</a:t>
             </a:fld>
             <a:endParaRPr lang="en-US"/>
           </a:p>
@@ -2264,7 +2264,7 @@
           <a:p>
             <a:fld id="{EE546B1A-B484-2943-8A2B-467DA3E6AA0E}" type="datetimeFigureOut">
               <a:rPr lang="en-US" smtClean="0"/>
-              <a:t>9/3/13</a:t>
+              <a:t>8/30/16</a:t>
             </a:fld>
             <a:endParaRPr lang="en-US"/>
           </a:p>
@@ -2517,7 +2517,7 @@
           <a:p>
             <a:fld id="{EE546B1A-B484-2943-8A2B-467DA3E6AA0E}" type="datetimeFigureOut">
               <a:rPr lang="en-US" smtClean="0"/>
-              <a:t>9/3/13</a:t>
+              <a:t>8/30/16</a:t>
             </a:fld>
             <a:endParaRPr lang="en-US"/>
           </a:p>
@@ -2730,7 +2730,7 @@
           <a:p>
             <a:fld id="{EE546B1A-B484-2943-8A2B-467DA3E6AA0E}" type="datetimeFigureOut">
               <a:rPr lang="en-US" smtClean="0"/>
-              <a:t>9/3/13</a:t>
+              <a:t>8/30/16</a:t>
             </a:fld>
             <a:endParaRPr lang="en-US"/>
           </a:p>
@@ -3330,13 +3330,38 @@
             </a:r>
             <a:r>
               <a:rPr lang="en-US" dirty="0" smtClean="0"/>
-              <a:t>Functions</a:t>
-            </a:r>
-          </a:p>
-          <a:p>
-            <a:r>
-              <a:rPr lang="en-US" dirty="0" smtClean="0"/>
-              <a:t>Next class: Hands on. Have your laptops. We’re going to take some data and make some simple graphs out of it.</a:t>
+              <a:t>Functions, </a:t>
+            </a:r>
+            <a:r>
+              <a:rPr lang="en-US" dirty="0" err="1" smtClean="0"/>
+              <a:t>Tufte</a:t>
+            </a:r>
+            <a:r>
+              <a:rPr lang="en-US" smtClean="0"/>
+              <a:t> Chapter 4.</a:t>
+            </a:r>
+            <a:endParaRPr lang="en-US" dirty="0" smtClean="0"/>
+          </a:p>
+          <a:p>
+            <a:r>
+              <a:rPr lang="en-US" dirty="0" smtClean="0"/>
+              <a:t>Next class: </a:t>
+            </a:r>
+            <a:r>
+              <a:rPr lang="en-US" dirty="0" smtClean="0"/>
+              <a:t>Quiz on all the readings so far, so bring something to take it on. Hands </a:t>
+            </a:r>
+            <a:r>
+              <a:rPr lang="en-US" dirty="0" smtClean="0"/>
+              <a:t>on. </a:t>
+            </a:r>
+            <a:r>
+              <a:rPr lang="en-US" dirty="0" smtClean="0"/>
+              <a:t>We’re </a:t>
+            </a:r>
+            <a:r>
+              <a:rPr lang="en-US" dirty="0" smtClean="0"/>
+              <a:t>going to take some data and make some simple graphs out of it.</a:t>
             </a:r>
             <a:endParaRPr lang="en-US" dirty="0"/>
           </a:p>
@@ -3412,34 +3437,11 @@
           <a:p>
             <a:r>
               <a:rPr lang="en-US" dirty="0" smtClean="0"/>
-              <a:t>New room. Welcome. Get comfy.</a:t>
-            </a:r>
-          </a:p>
-          <a:p>
-            <a:r>
-              <a:rPr lang="en-US" dirty="0" smtClean="0"/>
-              <a:t>Books? How we doing?</a:t>
-            </a:r>
-          </a:p>
-          <a:p>
-            <a:r>
-              <a:rPr lang="en-US" dirty="0" smtClean="0"/>
-              <a:t>Check the course schedule for readings: We need to catch up.</a:t>
-            </a:r>
-          </a:p>
-          <a:p>
-            <a:r>
-              <a:rPr lang="en-US" dirty="0" err="1" smtClean="0"/>
-              <a:t>Chartsnthings</a:t>
-            </a:r>
-            <a:r>
-              <a:rPr lang="en-US" dirty="0"/>
-              <a:t> </a:t>
-            </a:r>
-            <a:r>
-              <a:rPr lang="en-US" dirty="0" smtClean="0"/>
-              <a:t>…</a:t>
-            </a:r>
+              <a:t>Very few emails for slack. It’s an assignment.</a:t>
+            </a:r>
+          </a:p>
+          <a:p>
+            <a:endParaRPr lang="en-US" dirty="0" smtClean="0"/>
           </a:p>
         </p:txBody>
       </p:sp>
